--- a/AICTE PPT Suraj.pptx
+++ b/AICTE PPT Suraj.pptx
@@ -6022,8 +6022,8 @@
         </p:nvSpPr>
         <p:spPr>
           <a:xfrm>
-            <a:off x="834504" y="1635888"/>
-            <a:ext cx="8915400" cy="3777622"/>
+            <a:off x="834503" y="1635888"/>
+            <a:ext cx="10832777" cy="3777622"/>
           </a:xfrm>
         </p:spPr>
         <p:txBody>
@@ -6033,8 +6033,8 @@
           <a:lstStyle/>
           <a:p>
             <a:r>
-              <a:rPr lang="en-IN" sz="2000" dirty="0"/>
-              <a:t>https://github.com/Surajmohapatra49/marcos-project</a:t>
+              <a:rPr lang="en-IN" sz="3200" dirty="0"/>
+              <a:t>https://github.com/Surajmohapatra49/Marcos-project.git</a:t>
             </a:r>
           </a:p>
         </p:txBody>
